--- a/docs/Slides/CIS399Wk3Day3-SQLIteDatabases.pptx
+++ b/docs/Slides/CIS399Wk3Day3-SQLIteDatabases.pptx
@@ -268,7 +268,7 @@
           <a:p>
             <a:fld id="{1FC32AA1-1225-9048-80C3-2B6F58548154}" type="datetimeFigureOut">
               <a:rPr lang="en-US" smtClean="0"/>
-              <a:t>7/12/18</a:t>
+              <a:t>7/15/19</a:t>
             </a:fld>
             <a:endParaRPr lang="en-US"/>
           </a:p>
@@ -2312,7 +2312,7 @@
           <a:p>
             <a:fld id="{12110144-19AD-4D4E-902D-E18AF93089D3}" type="datetimeFigureOut">
               <a:rPr lang="en-US" smtClean="0"/>
-              <a:t>7/12/18</a:t>
+              <a:t>7/15/19</a:t>
             </a:fld>
             <a:endParaRPr lang="en-US"/>
           </a:p>
@@ -2480,7 +2480,7 @@
           <a:p>
             <a:fld id="{12110144-19AD-4D4E-902D-E18AF93089D3}" type="datetimeFigureOut">
               <a:rPr lang="en-US" smtClean="0"/>
-              <a:t>7/12/18</a:t>
+              <a:t>7/15/19</a:t>
             </a:fld>
             <a:endParaRPr lang="en-US"/>
           </a:p>
@@ -2658,7 +2658,7 @@
           <a:p>
             <a:fld id="{12110144-19AD-4D4E-902D-E18AF93089D3}" type="datetimeFigureOut">
               <a:rPr lang="en-US" smtClean="0"/>
-              <a:t>7/12/18</a:t>
+              <a:t>7/15/19</a:t>
             </a:fld>
             <a:endParaRPr lang="en-US"/>
           </a:p>
@@ -2826,7 +2826,7 @@
           <a:p>
             <a:fld id="{12110144-19AD-4D4E-902D-E18AF93089D3}" type="datetimeFigureOut">
               <a:rPr lang="en-US" smtClean="0"/>
-              <a:t>7/12/18</a:t>
+              <a:t>7/15/19</a:t>
             </a:fld>
             <a:endParaRPr lang="en-US"/>
           </a:p>
@@ -3071,7 +3071,7 @@
           <a:p>
             <a:fld id="{12110144-19AD-4D4E-902D-E18AF93089D3}" type="datetimeFigureOut">
               <a:rPr lang="en-US" smtClean="0"/>
-              <a:t>7/12/18</a:t>
+              <a:t>7/15/19</a:t>
             </a:fld>
             <a:endParaRPr lang="en-US"/>
           </a:p>
@@ -3356,7 +3356,7 @@
           <a:p>
             <a:fld id="{12110144-19AD-4D4E-902D-E18AF93089D3}" type="datetimeFigureOut">
               <a:rPr lang="en-US" smtClean="0"/>
-              <a:t>7/12/18</a:t>
+              <a:t>7/15/19</a:t>
             </a:fld>
             <a:endParaRPr lang="en-US"/>
           </a:p>
@@ -3775,7 +3775,7 @@
           <a:p>
             <a:fld id="{12110144-19AD-4D4E-902D-E18AF93089D3}" type="datetimeFigureOut">
               <a:rPr lang="en-US" smtClean="0"/>
-              <a:t>7/12/18</a:t>
+              <a:t>7/15/19</a:t>
             </a:fld>
             <a:endParaRPr lang="en-US"/>
           </a:p>
@@ -3892,7 +3892,7 @@
           <a:p>
             <a:fld id="{12110144-19AD-4D4E-902D-E18AF93089D3}" type="datetimeFigureOut">
               <a:rPr lang="en-US" smtClean="0"/>
-              <a:t>7/12/18</a:t>
+              <a:t>7/15/19</a:t>
             </a:fld>
             <a:endParaRPr lang="en-US"/>
           </a:p>
@@ -3987,7 +3987,7 @@
           <a:p>
             <a:fld id="{12110144-19AD-4D4E-902D-E18AF93089D3}" type="datetimeFigureOut">
               <a:rPr lang="en-US" smtClean="0"/>
-              <a:t>7/12/18</a:t>
+              <a:t>7/15/19</a:t>
             </a:fld>
             <a:endParaRPr lang="en-US"/>
           </a:p>
@@ -4262,7 +4262,7 @@
           <a:p>
             <a:fld id="{12110144-19AD-4D4E-902D-E18AF93089D3}" type="datetimeFigureOut">
               <a:rPr lang="en-US" smtClean="0"/>
-              <a:t>7/12/18</a:t>
+              <a:t>7/15/19</a:t>
             </a:fld>
             <a:endParaRPr lang="en-US"/>
           </a:p>
@@ -4514,7 +4514,7 @@
           <a:p>
             <a:fld id="{12110144-19AD-4D4E-902D-E18AF93089D3}" type="datetimeFigureOut">
               <a:rPr lang="en-US" smtClean="0"/>
-              <a:t>7/12/18</a:t>
+              <a:t>7/15/19</a:t>
             </a:fld>
             <a:endParaRPr lang="en-US"/>
           </a:p>
@@ -4743,7 +4743,7 @@
           <a:p>
             <a:fld id="{12110144-19AD-4D4E-902D-E18AF93089D3}" type="datetimeFigureOut">
               <a:rPr lang="en-US" smtClean="0"/>
-              <a:t>7/12/18</a:t>
+              <a:t>7/15/19</a:t>
             </a:fld>
             <a:endParaRPr lang="en-US"/>
           </a:p>
@@ -7019,7 +7019,7 @@
               <a:t>SELECT </a:t>
             </a:r>
             <a:r>
-              <a:rPr lang="en-US" sz="2400" i="1" dirty="0">
+              <a:rPr lang="en-US" sz="2400" i="1" dirty="0" err="1">
                 <a:latin typeface="+mn-lt"/>
               </a:rPr>
               <a:t>column_name</a:t>
@@ -7028,10 +7028,10 @@
               <a:rPr lang="en-US" sz="2400" dirty="0">
                 <a:latin typeface="+mn-lt"/>
               </a:rPr>
-              <a:t>,</a:t>
-            </a:r>
-            <a:r>
-              <a:rPr lang="en-US" sz="2400" i="1" dirty="0">
+              <a:t>, </a:t>
+            </a:r>
+            <a:r>
+              <a:rPr lang="en-US" sz="2400" i="1" dirty="0" err="1">
                 <a:latin typeface="+mn-lt"/>
               </a:rPr>
               <a:t>column_name</a:t>
@@ -7253,7 +7253,7 @@
           <a:graphicData uri="http://schemas.openxmlformats.org/presentationml/2006/ole">
             <mc:AlternateContent xmlns:mc="http://schemas.openxmlformats.org/markup-compatibility/2006">
               <mc:Choice xmlns:v="urn:schemas-microsoft-com:vml" Requires="v">
-                <p:oleObj spid="_x0000_s43049" name="Document" r:id="rId3" imgW="6864202" imgH="5102595" progId="Word.Document.12">
+                <p:oleObj spid="_x0000_s43051" name="Document" r:id="rId3" imgW="6864202" imgH="5102595" progId="Word.Document.12">
                   <p:embed/>
                 </p:oleObj>
               </mc:Choice>
@@ -7435,7 +7435,7 @@
           <a:graphicData uri="http://schemas.openxmlformats.org/presentationml/2006/ole">
             <mc:AlternateContent xmlns:mc="http://schemas.openxmlformats.org/markup-compatibility/2006">
               <mc:Choice xmlns:v="urn:schemas-microsoft-com:vml" Requires="v">
-                <p:oleObj spid="_x0000_s44073" name="Document" r:id="rId3" imgW="6965729" imgH="1603550" progId="Word.Document.12">
+                <p:oleObj spid="_x0000_s44075" name="Document" r:id="rId3" imgW="6965729" imgH="1603550" progId="Word.Document.12">
                   <p:embed/>
                 </p:oleObj>
               </mc:Choice>
@@ -10471,7 +10471,7 @@
           <a:graphicData uri="http://schemas.openxmlformats.org/presentationml/2006/ole">
             <mc:AlternateContent xmlns:mc="http://schemas.openxmlformats.org/markup-compatibility/2006">
               <mc:Choice xmlns:v="urn:schemas-microsoft-com:vml" Requires="v">
-                <p:oleObj spid="_x0000_s45097" name="Document" r:id="rId3" imgW="6864119" imgH="4072548" progId="Word.Document.12">
+                <p:oleObj spid="_x0000_s45099" name="Document" r:id="rId3" imgW="6864119" imgH="4072548" progId="Word.Document.12">
                   <p:embed/>
                 </p:oleObj>
               </mc:Choice>
@@ -10675,7 +10675,7 @@
           <a:graphicData uri="http://schemas.openxmlformats.org/presentationml/2006/ole">
             <mc:AlternateContent xmlns:mc="http://schemas.openxmlformats.org/markup-compatibility/2006">
               <mc:Choice xmlns:v="urn:schemas-microsoft-com:vml" Requires="v">
-                <p:oleObj spid="_x0000_s46121" name="Document" r:id="rId3" imgW="6864119" imgH="4678614" progId="Word.Document.12">
+                <p:oleObj spid="_x0000_s46123" name="Document" r:id="rId3" imgW="6864119" imgH="4678614" progId="Word.Document.12">
                   <p:embed/>
                 </p:oleObj>
               </mc:Choice>
@@ -10879,7 +10879,7 @@
           <a:graphicData uri="http://schemas.openxmlformats.org/presentationml/2006/ole">
             <mc:AlternateContent xmlns:mc="http://schemas.openxmlformats.org/markup-compatibility/2006">
               <mc:Choice xmlns:v="urn:schemas-microsoft-com:vml" Requires="v">
-                <p:oleObj spid="_x0000_s47145" name="Document" r:id="rId3" imgW="6864202" imgH="4689864" progId="Word.Document.12">
+                <p:oleObj spid="_x0000_s47147" name="Document" r:id="rId3" imgW="6864202" imgH="4689864" progId="Word.Document.12">
                   <p:embed/>
                 </p:oleObj>
               </mc:Choice>
@@ -11083,7 +11083,7 @@
           <a:graphicData uri="http://schemas.openxmlformats.org/presentationml/2006/ole">
             <mc:AlternateContent xmlns:mc="http://schemas.openxmlformats.org/markup-compatibility/2006">
               <mc:Choice xmlns:v="urn:schemas-microsoft-com:vml" Requires="v">
-                <p:oleObj spid="_x0000_s48169" name="Document" r:id="rId3" imgW="7169398" imgH="4553367" progId="Word.Document.12">
+                <p:oleObj spid="_x0000_s48171" name="Document" r:id="rId3" imgW="7169398" imgH="4553367" progId="Word.Document.12">
                   <p:embed/>
                 </p:oleObj>
               </mc:Choice>
@@ -11397,7 +11397,7 @@
           <a:graphicData uri="http://schemas.openxmlformats.org/presentationml/2006/ole">
             <mc:AlternateContent xmlns:mc="http://schemas.openxmlformats.org/markup-compatibility/2006">
               <mc:Choice xmlns:v="urn:schemas-microsoft-com:vml" Requires="v">
-                <p:oleObj spid="_x0000_s49193" name="Document" r:id="rId3" imgW="6864202" imgH="3470038" progId="Word.Document.12">
+                <p:oleObj spid="_x0000_s49195" name="Document" r:id="rId3" imgW="6864202" imgH="3470038" progId="Word.Document.12">
                   <p:embed/>
                 </p:oleObj>
               </mc:Choice>
@@ -11601,7 +11601,7 @@
           <a:graphicData uri="http://schemas.openxmlformats.org/presentationml/2006/ole">
             <mc:AlternateContent xmlns:mc="http://schemas.openxmlformats.org/markup-compatibility/2006">
               <mc:Choice xmlns:v="urn:schemas-microsoft-com:vml" Requires="v">
-                <p:oleObj spid="_x0000_s50217" name="Document" r:id="rId3" imgW="6864202" imgH="5290232" progId="Word.Document.12">
+                <p:oleObj spid="_x0000_s50219" name="Document" r:id="rId3" imgW="6864202" imgH="5290232" progId="Word.Document.12">
                   <p:embed/>
                 </p:oleObj>
               </mc:Choice>
@@ -11805,7 +11805,7 @@
           <a:graphicData uri="http://schemas.openxmlformats.org/presentationml/2006/ole">
             <mc:AlternateContent xmlns:mc="http://schemas.openxmlformats.org/markup-compatibility/2006">
               <mc:Choice xmlns:v="urn:schemas-microsoft-com:vml" Requires="v">
-                <p:oleObj spid="_x0000_s51241" name="Document" r:id="rId3" imgW="6864202" imgH="3670281" progId="Word.Document.12">
+                <p:oleObj spid="_x0000_s51243" name="Document" r:id="rId3" imgW="6864202" imgH="3670281" progId="Word.Document.12">
                   <p:embed/>
                 </p:oleObj>
               </mc:Choice>
@@ -12009,7 +12009,7 @@
           <a:graphicData uri="http://schemas.openxmlformats.org/presentationml/2006/ole">
             <mc:AlternateContent xmlns:mc="http://schemas.openxmlformats.org/markup-compatibility/2006">
               <mc:Choice xmlns:v="urn:schemas-microsoft-com:vml" Requires="v">
-                <p:oleObj spid="_x0000_s52265" name="Document" r:id="rId3" imgW="6864202" imgH="4081571" progId="Word.Document.12">
+                <p:oleObj spid="_x0000_s52267" name="Document" r:id="rId3" imgW="6864202" imgH="4081571" progId="Word.Document.12">
                   <p:embed/>
                 </p:oleObj>
               </mc:Choice>
@@ -12213,7 +12213,7 @@
           <a:graphicData uri="http://schemas.openxmlformats.org/presentationml/2006/ole">
             <mc:AlternateContent xmlns:mc="http://schemas.openxmlformats.org/markup-compatibility/2006">
               <mc:Choice xmlns:v="urn:schemas-microsoft-com:vml" Requires="v">
-                <p:oleObj spid="_x0000_s53289" name="Document" r:id="rId3" imgW="6864202" imgH="5267903" progId="Word.Document.12">
+                <p:oleObj spid="_x0000_s53291" name="Document" r:id="rId3" imgW="6864202" imgH="5267903" progId="Word.Document.12">
                   <p:embed/>
                 </p:oleObj>
               </mc:Choice>
@@ -12417,7 +12417,7 @@
           <a:graphicData uri="http://schemas.openxmlformats.org/presentationml/2006/ole">
             <mc:AlternateContent xmlns:mc="http://schemas.openxmlformats.org/markup-compatibility/2006">
               <mc:Choice xmlns:v="urn:schemas-microsoft-com:vml" Requires="v">
-                <p:oleObj spid="_x0000_s54313" name="Document" r:id="rId3" imgW="7283621" imgH="4756491" progId="Word.Document.12">
+                <p:oleObj spid="_x0000_s54315" name="Document" r:id="rId3" imgW="7283621" imgH="4756491" progId="Word.Document.12">
                   <p:embed/>
                 </p:oleObj>
               </mc:Choice>
@@ -12621,7 +12621,7 @@
           <a:graphicData uri="http://schemas.openxmlformats.org/presentationml/2006/ole">
             <mc:AlternateContent xmlns:mc="http://schemas.openxmlformats.org/markup-compatibility/2006">
               <mc:Choice xmlns:v="urn:schemas-microsoft-com:vml" Requires="v">
-                <p:oleObj spid="_x0000_s55337" name="Document" r:id="rId3" imgW="7913470" imgH="4750009" progId="Word.Document.12">
+                <p:oleObj spid="_x0000_s55339" name="Document" r:id="rId3" imgW="7913470" imgH="4750009" progId="Word.Document.12">
                   <p:embed/>
                 </p:oleObj>
               </mc:Choice>
@@ -13014,7 +13014,7 @@
           <a:graphicData uri="http://schemas.openxmlformats.org/presentationml/2006/ole">
             <mc:AlternateContent xmlns:mc="http://schemas.openxmlformats.org/markup-compatibility/2006">
               <mc:Choice xmlns:v="urn:schemas-microsoft-com:vml" Requires="v">
-                <p:oleObj spid="_x0000_s56361" name="Document" r:id="rId3" imgW="7737992" imgH="5271144" progId="Word.Document.12">
+                <p:oleObj spid="_x0000_s56363" name="Document" r:id="rId3" imgW="7737992" imgH="5271144" progId="Word.Document.12">
                   <p:embed/>
                 </p:oleObj>
               </mc:Choice>
@@ -13218,7 +13218,7 @@
           <a:graphicData uri="http://schemas.openxmlformats.org/presentationml/2006/ole">
             <mc:AlternateContent xmlns:mc="http://schemas.openxmlformats.org/markup-compatibility/2006">
               <mc:Choice xmlns:v="urn:schemas-microsoft-com:vml" Requires="v">
-                <p:oleObj spid="_x0000_s57385" name="Document" r:id="rId3" imgW="6965814" imgH="3806778" progId="Word.Document.12">
+                <p:oleObj spid="_x0000_s57387" name="Document" r:id="rId3" imgW="6965814" imgH="3806778" progId="Word.Document.12">
                   <p:embed/>
                 </p:oleObj>
               </mc:Choice>
@@ -13400,7 +13400,7 @@
           <a:graphicData uri="http://schemas.openxmlformats.org/presentationml/2006/ole">
             <mc:AlternateContent xmlns:mc="http://schemas.openxmlformats.org/markup-compatibility/2006">
               <mc:Choice xmlns:v="urn:schemas-microsoft-com:vml" Requires="v">
-                <p:oleObj spid="_x0000_s39977" name="Document" r:id="rId3" imgW="6959600" imgH="3517900" progId="Word.Document.12">
+                <p:oleObj spid="_x0000_s39979" name="Document" r:id="rId3" imgW="6959600" imgH="3517900" progId="Word.Document.12">
                   <p:embed/>
                 </p:oleObj>
               </mc:Choice>
@@ -13846,7 +13846,7 @@
           <a:graphicData uri="http://schemas.openxmlformats.org/presentationml/2006/ole">
             <mc:AlternateContent xmlns:mc="http://schemas.openxmlformats.org/markup-compatibility/2006">
               <mc:Choice xmlns:v="urn:schemas-microsoft-com:vml" Requires="v">
-                <p:oleObj spid="_x0000_s1065" name="Document" r:id="rId3" imgW="7646469" imgH="5650742" progId="Word.Document.12">
+                <p:oleObj spid="_x0000_s1067" name="Document" r:id="rId3" imgW="7646469" imgH="5650742" progId="Word.Document.12">
                   <p:embed/>
                 </p:oleObj>
               </mc:Choice>
@@ -14050,7 +14050,7 @@
           <a:graphicData uri="http://schemas.openxmlformats.org/presentationml/2006/ole">
             <mc:AlternateContent xmlns:mc="http://schemas.openxmlformats.org/markup-compatibility/2006">
               <mc:Choice xmlns:v="urn:schemas-microsoft-com:vml" Requires="v">
-                <p:oleObj spid="_x0000_s58409" name="Document" r:id="rId3" imgW="6965814" imgH="3427180" progId="Word.Document.12">
+                <p:oleObj spid="_x0000_s58411" name="Document" r:id="rId3" imgW="6965814" imgH="3427180" progId="Word.Document.12">
                   <p:embed/>
                 </p:oleObj>
               </mc:Choice>
@@ -14464,7 +14464,7 @@
           <a:graphicData uri="http://schemas.openxmlformats.org/presentationml/2006/ole">
             <mc:AlternateContent xmlns:mc="http://schemas.openxmlformats.org/markup-compatibility/2006">
               <mc:Choice xmlns:v="urn:schemas-microsoft-com:vml" Requires="v">
-                <p:oleObj spid="_x0000_s59433" name="Document" r:id="rId3" imgW="7476756" imgH="5399718" progId="Word.Document.12">
+                <p:oleObj spid="_x0000_s59435" name="Document" r:id="rId3" imgW="7476756" imgH="5399718" progId="Word.Document.12">
                   <p:embed/>
                 </p:oleObj>
               </mc:Choice>
@@ -14668,7 +14668,7 @@
           <a:graphicData uri="http://schemas.openxmlformats.org/presentationml/2006/ole">
             <mc:AlternateContent xmlns:mc="http://schemas.openxmlformats.org/markup-compatibility/2006">
               <mc:Choice xmlns:v="urn:schemas-microsoft-com:vml" Requires="v">
-                <p:oleObj spid="_x0000_s60457" name="Document" r:id="rId3" imgW="6965729" imgH="2939421" progId="Word.Document.12">
+                <p:oleObj spid="_x0000_s60459" name="Document" r:id="rId3" imgW="6965729" imgH="2939421" progId="Word.Document.12">
                   <p:embed/>
                 </p:oleObj>
               </mc:Choice>
@@ -14872,7 +14872,7 @@
           <a:graphicData uri="http://schemas.openxmlformats.org/presentationml/2006/ole">
             <mc:AlternateContent xmlns:mc="http://schemas.openxmlformats.org/markup-compatibility/2006">
               <mc:Choice xmlns:v="urn:schemas-microsoft-com:vml" Requires="v">
-                <p:oleObj spid="_x0000_s61481" name="Document" r:id="rId3" imgW="6965729" imgH="4428611" progId="Word.Document.12">
+                <p:oleObj spid="_x0000_s61483" name="Document" r:id="rId3" imgW="6965729" imgH="4428611" progId="Word.Document.12">
                   <p:embed/>
                 </p:oleObj>
               </mc:Choice>
@@ -15076,7 +15076,7 @@
           <a:graphicData uri="http://schemas.openxmlformats.org/presentationml/2006/ole">
             <mc:AlternateContent xmlns:mc="http://schemas.openxmlformats.org/markup-compatibility/2006">
               <mc:Choice xmlns:v="urn:schemas-microsoft-com:vml" Requires="v">
-                <p:oleObj spid="_x0000_s62505" name="Document" r:id="rId3" imgW="6965814" imgH="5355419" progId="Word.Document.12">
+                <p:oleObj spid="_x0000_s62507" name="Document" r:id="rId3" imgW="6965814" imgH="5355419" progId="Word.Document.12">
                   <p:embed/>
                 </p:oleObj>
               </mc:Choice>
@@ -15280,7 +15280,7 @@
           <a:graphicData uri="http://schemas.openxmlformats.org/presentationml/2006/ole">
             <mc:AlternateContent xmlns:mc="http://schemas.openxmlformats.org/markup-compatibility/2006">
               <mc:Choice xmlns:v="urn:schemas-microsoft-com:vml" Requires="v">
-                <p:oleObj spid="_x0000_s63529" name="Document" r:id="rId3" imgW="6965814" imgH="5399718" progId="Word.Document.12">
+                <p:oleObj spid="_x0000_s63531" name="Document" r:id="rId3" imgW="6965814" imgH="5399718" progId="Word.Document.12">
                   <p:embed/>
                 </p:oleObj>
               </mc:Choice>
@@ -15484,7 +15484,7 @@
           <a:graphicData uri="http://schemas.openxmlformats.org/presentationml/2006/ole">
             <mc:AlternateContent xmlns:mc="http://schemas.openxmlformats.org/markup-compatibility/2006">
               <mc:Choice xmlns:v="urn:schemas-microsoft-com:vml" Requires="v">
-                <p:oleObj spid="_x0000_s64553" name="Document" r:id="rId3" imgW="7296233" imgH="4949171" progId="Word.Document.12">
+                <p:oleObj spid="_x0000_s64555" name="Document" r:id="rId3" imgW="7296233" imgH="4949171" progId="Word.Document.12">
                   <p:embed/>
                 </p:oleObj>
               </mc:Choice>
@@ -15871,7 +15871,7 @@
           <a:graphicData uri="http://schemas.openxmlformats.org/presentationml/2006/ole">
             <mc:AlternateContent xmlns:mc="http://schemas.openxmlformats.org/markup-compatibility/2006">
               <mc:Choice xmlns:v="urn:schemas-microsoft-com:vml" Requires="v">
-                <p:oleObj spid="_x0000_s65577" name="Document" r:id="rId3" imgW="6965814" imgH="3816502" progId="Word.Document.12">
+                <p:oleObj spid="_x0000_s65579" name="Document" r:id="rId3" imgW="6965814" imgH="3816502" progId="Word.Document.12">
                   <p:embed/>
                 </p:oleObj>
               </mc:Choice>
@@ -16075,7 +16075,7 @@
           <a:graphicData uri="http://schemas.openxmlformats.org/presentationml/2006/ole">
             <mc:AlternateContent xmlns:mc="http://schemas.openxmlformats.org/markup-compatibility/2006">
               <mc:Choice xmlns:v="urn:schemas-microsoft-com:vml" Requires="v">
-                <p:oleObj spid="_x0000_s66601" name="Document" r:id="rId3" imgW="6864202" imgH="4715074" progId="Word.Document.12">
+                <p:oleObj spid="_x0000_s66603" name="Document" r:id="rId3" imgW="6864202" imgH="4715074" progId="Word.Document.12">
                   <p:embed/>
                 </p:oleObj>
               </mc:Choice>
@@ -16279,7 +16279,7 @@
           <a:graphicData uri="http://schemas.openxmlformats.org/presentationml/2006/ole">
             <mc:AlternateContent xmlns:mc="http://schemas.openxmlformats.org/markup-compatibility/2006">
               <mc:Choice xmlns:v="urn:schemas-microsoft-com:vml" Requires="v">
-                <p:oleObj spid="_x0000_s67625" name="Document" r:id="rId3" imgW="7525039" imgH="4164046" progId="Word.Document.12">
+                <p:oleObj spid="_x0000_s67627" name="Document" r:id="rId3" imgW="7525039" imgH="4164046" progId="Word.Document.12">
                   <p:embed/>
                 </p:oleObj>
               </mc:Choice>
@@ -16483,7 +16483,7 @@
           <a:graphicData uri="http://schemas.openxmlformats.org/presentationml/2006/ole">
             <mc:AlternateContent xmlns:mc="http://schemas.openxmlformats.org/markup-compatibility/2006">
               <mc:Choice xmlns:v="urn:schemas-microsoft-com:vml" Requires="v">
-                <p:oleObj spid="_x0000_s68649" name="Document" r:id="rId3" imgW="6864119" imgH="1678226" progId="Word.Document.12">
+                <p:oleObj spid="_x0000_s68651" name="Document" r:id="rId3" imgW="6864119" imgH="1678226" progId="Word.Document.12">
                   <p:embed/>
                 </p:oleObj>
               </mc:Choice>
@@ -16780,7 +16780,7 @@
           <a:graphicData uri="http://schemas.openxmlformats.org/presentationml/2006/ole">
             <mc:AlternateContent xmlns:mc="http://schemas.openxmlformats.org/markup-compatibility/2006">
               <mc:Choice xmlns:v="urn:schemas-microsoft-com:vml" Requires="v">
-                <p:oleObj spid="_x0000_s69673" name="Document" r:id="rId3" imgW="6965814" imgH="520776" progId="Word.Document.12">
+                <p:oleObj spid="_x0000_s69675" name="Document" r:id="rId3" imgW="6965814" imgH="520776" progId="Word.Document.12">
                   <p:embed/>
                 </p:oleObj>
               </mc:Choice>
@@ -16851,14 +16851,14 @@
           <a:effectLst/>
           <a:extLst>
             <a:ext uri="{909E8E84-426E-40dd-AFC4-6F175D3DCCD1}">
-              <a14:hiddenFill xmlns:a14="http://schemas.microsoft.com/office/drawing/2010/main" xmlns="">
+              <a14:hiddenFill xmlns="" xmlns:a14="http://schemas.microsoft.com/office/drawing/2010/main">
                 <a:solidFill>
                   <a:schemeClr val="accent1"/>
                 </a:solidFill>
               </a14:hiddenFill>
             </a:ext>
             <a:ext uri="{91240B29-F687-4f45-9708-019B960494DF}">
-              <a14:hiddenLine xmlns:a14="http://schemas.microsoft.com/office/drawing/2010/main" xmlns="" w="9525">
+              <a14:hiddenLine xmlns="" xmlns:a14="http://schemas.microsoft.com/office/drawing/2010/main" w="9525">
                 <a:solidFill>
                   <a:schemeClr val="tx1"/>
                 </a:solidFill>
@@ -16868,7 +16868,7 @@
               </a14:hiddenLine>
             </a:ext>
             <a:ext uri="{AF507438-7753-43e0-B8FC-AC1667EBCBE1}">
-              <a14:hiddenEffects xmlns:a14="http://schemas.microsoft.com/office/drawing/2010/main" xmlns="">
+              <a14:hiddenEffects xmlns="" xmlns:a14="http://schemas.microsoft.com/office/drawing/2010/main">
                 <a:effectLst>
                   <a:outerShdw dist="35921" dir="2700000" algn="ctr" rotWithShape="0">
                     <a:schemeClr val="bg2"/>
@@ -17026,7 +17026,7 @@
           <a:graphicData uri="http://schemas.openxmlformats.org/presentationml/2006/ole">
             <mc:AlternateContent xmlns:mc="http://schemas.openxmlformats.org/markup-compatibility/2006">
               <mc:Choice xmlns:v="urn:schemas-microsoft-com:vml" Requires="v">
-                <p:oleObj spid="_x0000_s70697" name="Document" r:id="rId3" imgW="6965814" imgH="5509203" progId="Word.Document.12">
+                <p:oleObj spid="_x0000_s70699" name="Document" r:id="rId3" imgW="6965814" imgH="5509203" progId="Word.Document.12">
                   <p:embed/>
                 </p:oleObj>
               </mc:Choice>
@@ -17208,7 +17208,7 @@
           <a:graphicData uri="http://schemas.openxmlformats.org/presentationml/2006/ole">
             <mc:AlternateContent xmlns:mc="http://schemas.openxmlformats.org/markup-compatibility/2006">
               <mc:Choice xmlns:v="urn:schemas-microsoft-com:vml" Requires="v">
-                <p:oleObj spid="_x0000_s71760" name="Document" r:id="rId3" imgW="6965814" imgH="427137" progId="Word.Document.12">
+                <p:oleObj spid="_x0000_s71764" name="Document" r:id="rId3" imgW="6965814" imgH="427137" progId="Word.Document.12">
                   <p:embed/>
                 </p:oleObj>
               </mc:Choice>
@@ -17265,7 +17265,7 @@
           <a:graphicData uri="http://schemas.openxmlformats.org/presentationml/2006/ole">
             <mc:AlternateContent xmlns:mc="http://schemas.openxmlformats.org/markup-compatibility/2006">
               <mc:Choice xmlns:v="urn:schemas-microsoft-com:vml" Requires="v">
-                <p:oleObj spid="_x0000_s71761" name="Document" r:id="rId5" imgW="6858000" imgH="622300" progId="Word.Document.12">
+                <p:oleObj spid="_x0000_s71765" name="Document" r:id="rId5" imgW="6858000" imgH="622300" progId="Word.Document.12">
                   <p:embed/>
                 </p:oleObj>
               </mc:Choice>
@@ -17336,14 +17336,14 @@
           <a:effectLst/>
           <a:extLst>
             <a:ext uri="{909E8E84-426E-40dd-AFC4-6F175D3DCCD1}">
-              <a14:hiddenFill xmlns:a14="http://schemas.microsoft.com/office/drawing/2010/main" xmlns="">
+              <a14:hiddenFill xmlns="" xmlns:a14="http://schemas.microsoft.com/office/drawing/2010/main">
                 <a:solidFill>
                   <a:schemeClr val="accent1"/>
                 </a:solidFill>
               </a14:hiddenFill>
             </a:ext>
             <a:ext uri="{91240B29-F687-4f45-9708-019B960494DF}">
-              <a14:hiddenLine xmlns:a14="http://schemas.microsoft.com/office/drawing/2010/main" xmlns="" w="9525">
+              <a14:hiddenLine xmlns="" xmlns:a14="http://schemas.microsoft.com/office/drawing/2010/main" w="9525">
                 <a:solidFill>
                   <a:schemeClr val="tx1"/>
                 </a:solidFill>
@@ -17353,7 +17353,7 @@
               </a14:hiddenLine>
             </a:ext>
             <a:ext uri="{AF507438-7753-43e0-B8FC-AC1667EBCBE1}">
-              <a14:hiddenEffects xmlns:a14="http://schemas.microsoft.com/office/drawing/2010/main" xmlns="">
+              <a14:hiddenEffects xmlns="" xmlns:a14="http://schemas.microsoft.com/office/drawing/2010/main">
                 <a:effectLst>
                   <a:outerShdw dist="35921" dir="2700000" algn="ctr" rotWithShape="0">
                     <a:schemeClr val="bg2"/>
@@ -18187,7 +18187,7 @@
           <a:graphicData uri="http://schemas.openxmlformats.org/presentationml/2006/ole">
             <mc:AlternateContent xmlns:mc="http://schemas.openxmlformats.org/markup-compatibility/2006">
               <mc:Choice xmlns:v="urn:schemas-microsoft-com:vml" Requires="v">
-                <p:oleObj spid="_x0000_s42025" name="Document" r:id="rId4" imgW="6965729" imgH="496036" progId="Word.Document.12">
+                <p:oleObj spid="_x0000_s42027" name="Document" r:id="rId4" imgW="6965729" imgH="496036" progId="Word.Document.12">
                   <p:embed/>
                 </p:oleObj>
               </mc:Choice>
@@ -18245,14 +18245,14 @@
           <a:effectLst/>
           <a:extLst>
             <a:ext uri="{909E8E84-426E-40dd-AFC4-6F175D3DCCD1}">
-              <a14:hiddenFill xmlns:a14="http://schemas.microsoft.com/office/drawing/2010/main" xmlns="">
+              <a14:hiddenFill xmlns="" xmlns:a14="http://schemas.microsoft.com/office/drawing/2010/main">
                 <a:solidFill>
                   <a:schemeClr val="accent1"/>
                 </a:solidFill>
               </a14:hiddenFill>
             </a:ext>
             <a:ext uri="{91240B29-F687-4f45-9708-019B960494DF}">
-              <a14:hiddenLine xmlns:a14="http://schemas.microsoft.com/office/drawing/2010/main" xmlns="" w="9525">
+              <a14:hiddenLine xmlns="" xmlns:a14="http://schemas.microsoft.com/office/drawing/2010/main" w="9525">
                 <a:solidFill>
                   <a:schemeClr val="tx1"/>
                 </a:solidFill>
@@ -18262,7 +18262,7 @@
               </a14:hiddenLine>
             </a:ext>
             <a:ext uri="{AF507438-7753-43e0-B8FC-AC1667EBCBE1}">
-              <a14:hiddenEffects xmlns:a14="http://schemas.microsoft.com/office/drawing/2010/main" xmlns="">
+              <a14:hiddenEffects xmlns="" xmlns:a14="http://schemas.microsoft.com/office/drawing/2010/main">
                 <a:effectLst>
                   <a:outerShdw dist="35921" dir="2700000" algn="ctr" rotWithShape="0">
                     <a:schemeClr val="bg2"/>
@@ -18317,7 +18317,7 @@
           <a:noFill/>
           <a:extLst>
             <a:ext uri="{909E8E84-426E-40dd-AFC4-6F175D3DCCD1}">
-              <a14:hiddenFill xmlns:a14="http://schemas.microsoft.com/office/drawing/2010/main" xmlns="">
+              <a14:hiddenFill xmlns="" xmlns:a14="http://schemas.microsoft.com/office/drawing/2010/main">
                 <a:solidFill>
                   <a:srgbClr val="FFFFFF"/>
                 </a:solidFill>
